--- a/Proyecto_final/Presentacion.pptx
+++ b/Proyecto_final/Presentacion.pptx
@@ -8,7 +8,8 @@
     <p:sldId id="256" r:id="rId2"/>
     <p:sldId id="257" r:id="rId3"/>
     <p:sldId id="258" r:id="rId4"/>
-    <p:sldId id="259" r:id="rId5"/>
+    <p:sldId id="260" r:id="rId5"/>
+    <p:sldId id="259" r:id="rId6"/>
   </p:sldIdLst>
   <p:sldSz cx="12192000" cy="6858000"/>
   <p:notesSz cx="6858000" cy="9144000"/>
@@ -115,10 +116,14 @@
             <p14:sldId id="256"/>
             <p14:sldId id="257"/>
             <p14:sldId id="258"/>
+            <p14:sldId id="260"/>
             <p14:sldId id="259"/>
           </p14:sldIdLst>
         </p14:section>
       </p14:sectionLst>
+    </p:ext>
+    <p:ext uri="{EFAFB233-063F-42B5-8137-9DF3F51BA10A}">
+      <p15:sldGuideLst xmlns:p15="http://schemas.microsoft.com/office/powerpoint/2012/main"/>
     </p:ext>
   </p:extLst>
 </p:presentation>
@@ -3935,6 +3940,198 @@
       </p:grpSpPr>
       <p:sp>
         <p:nvSpPr>
+          <p:cNvPr id="4" name="Título 3">
+            <a:extLst>
+              <a:ext uri="{FF2B5EF4-FFF2-40B4-BE49-F238E27FC236}">
+                <a16:creationId xmlns:a16="http://schemas.microsoft.com/office/drawing/2014/main" id="{A6039D53-9103-4F1A-CF2B-6B22E4D154BE}"/>
+              </a:ext>
+            </a:extLst>
+          </p:cNvPr>
+          <p:cNvSpPr>
+            <a:spLocks noGrp="1"/>
+          </p:cNvSpPr>
+          <p:nvPr>
+            <p:ph type="title"/>
+          </p:nvPr>
+        </p:nvSpPr>
+        <p:spPr>
+          <a:xfrm>
+            <a:off x="1449217" y="128233"/>
+            <a:ext cx="9293577" cy="1059305"/>
+          </a:xfrm>
+        </p:spPr>
+        <p:txBody>
+          <a:bodyPr/>
+          <a:lstStyle/>
+          <a:p>
+            <a:r>
+              <a:rPr lang="es-MX" dirty="0"/>
+              <a:t>Resultados</a:t>
+            </a:r>
+            <a:endParaRPr lang="es-CL" dirty="0"/>
+          </a:p>
+        </p:txBody>
+      </p:sp>
+      <p:sp>
+        <p:nvSpPr>
+          <p:cNvPr id="5" name="Marcador de contenido 4">
+            <a:extLst>
+              <a:ext uri="{FF2B5EF4-FFF2-40B4-BE49-F238E27FC236}">
+                <a16:creationId xmlns:a16="http://schemas.microsoft.com/office/drawing/2014/main" id="{FFE5B0FF-481A-B601-333B-5DE8F0BDE708}"/>
+              </a:ext>
+            </a:extLst>
+          </p:cNvPr>
+          <p:cNvSpPr>
+            <a:spLocks noGrp="1"/>
+          </p:cNvSpPr>
+          <p:nvPr>
+            <p:ph sz="half" idx="1"/>
+          </p:nvPr>
+        </p:nvSpPr>
+        <p:spPr/>
+        <p:txBody>
+          <a:bodyPr/>
+          <a:lstStyle/>
+          <a:p>
+            <a:endParaRPr lang="es-CL"/>
+          </a:p>
+        </p:txBody>
+      </p:sp>
+      <p:sp>
+        <p:nvSpPr>
+          <p:cNvPr id="7" name="AutoShape 2">
+            <a:extLst>
+              <a:ext uri="{FF2B5EF4-FFF2-40B4-BE49-F238E27FC236}">
+                <a16:creationId xmlns:a16="http://schemas.microsoft.com/office/drawing/2014/main" id="{647DADF0-B48F-3B10-7778-F6198ADEB80C}"/>
+              </a:ext>
+            </a:extLst>
+          </p:cNvPr>
+          <p:cNvSpPr>
+            <a:spLocks noGrp="1" noChangeAspect="1" noChangeArrowheads="1"/>
+          </p:cNvSpPr>
+          <p:nvPr>
+            <p:ph sz="half" idx="2"/>
+          </p:nvPr>
+        </p:nvSpPr>
+        <p:spPr bwMode="auto">
+          <a:prstGeom prst="rect">
+            <a:avLst/>
+          </a:prstGeom>
+          <a:noFill/>
+          <a:extLst>
+            <a:ext uri="{909E8E84-426E-40DD-AFC4-6F175D3DCCD1}">
+              <a14:hiddenFill xmlns:a14="http://schemas.microsoft.com/office/drawing/2010/main">
+                <a:solidFill>
+                  <a:srgbClr val="FFFFFF"/>
+                </a:solidFill>
+              </a14:hiddenFill>
+            </a:ext>
+          </a:extLst>
+        </p:spPr>
+        <p:txBody>
+          <a:bodyPr vert="horz" wrap="square" lIns="91440" tIns="45720" rIns="91440" bIns="45720" numCol="1" anchor="t" anchorCtr="0" compatLnSpc="1">
+            <a:prstTxWarp prst="textNoShape">
+              <a:avLst/>
+            </a:prstTxWarp>
+          </a:bodyPr>
+          <a:lstStyle/>
+          <a:p>
+            <a:endParaRPr lang="es-CL"/>
+          </a:p>
+        </p:txBody>
+      </p:sp>
+      <p:pic>
+        <p:nvPicPr>
+          <p:cNvPr id="9" name="Imagen 8">
+            <a:extLst>
+              <a:ext uri="{FF2B5EF4-FFF2-40B4-BE49-F238E27FC236}">
+                <a16:creationId xmlns:a16="http://schemas.microsoft.com/office/drawing/2014/main" id="{7FCDC6D4-1936-B58D-25A0-AB09245ABC1F}"/>
+              </a:ext>
+            </a:extLst>
+          </p:cNvPr>
+          <p:cNvPicPr>
+            <a:picLocks noChangeAspect="1"/>
+          </p:cNvPicPr>
+          <p:nvPr/>
+        </p:nvPicPr>
+        <p:blipFill>
+          <a:blip r:embed="rId2"/>
+          <a:stretch>
+            <a:fillRect/>
+          </a:stretch>
+        </p:blipFill>
+        <p:spPr>
+          <a:xfrm>
+            <a:off x="5798586" y="1166812"/>
+            <a:ext cx="6012795" cy="4534738"/>
+          </a:xfrm>
+          <a:prstGeom prst="rect">
+            <a:avLst/>
+          </a:prstGeom>
+        </p:spPr>
+      </p:pic>
+      <p:pic>
+        <p:nvPicPr>
+          <p:cNvPr id="10" name="Imagen 9">
+            <a:extLst>
+              <a:ext uri="{FF2B5EF4-FFF2-40B4-BE49-F238E27FC236}">
+                <a16:creationId xmlns:a16="http://schemas.microsoft.com/office/drawing/2014/main" id="{AA89C03C-9B72-53EB-8903-53AD1AB34337}"/>
+              </a:ext>
+            </a:extLst>
+          </p:cNvPr>
+          <p:cNvPicPr>
+            <a:picLocks noChangeAspect="1"/>
+          </p:cNvPicPr>
+          <p:nvPr/>
+        </p:nvPicPr>
+        <p:blipFill>
+          <a:blip r:embed="rId3"/>
+          <a:stretch>
+            <a:fillRect/>
+          </a:stretch>
+        </p:blipFill>
+        <p:spPr>
+          <a:xfrm>
+            <a:off x="125877" y="1177175"/>
+            <a:ext cx="5672709" cy="4524375"/>
+          </a:xfrm>
+          <a:prstGeom prst="rect">
+            <a:avLst/>
+          </a:prstGeom>
+        </p:spPr>
+      </p:pic>
+    </p:spTree>
+    <p:extLst>
+      <p:ext uri="{BB962C8B-B14F-4D97-AF65-F5344CB8AC3E}">
+        <p14:creationId xmlns:p14="http://schemas.microsoft.com/office/powerpoint/2010/main" val="388426948"/>
+      </p:ext>
+    </p:extLst>
+  </p:cSld>
+  <p:clrMapOvr>
+    <a:masterClrMapping/>
+  </p:clrMapOvr>
+</p:sld>
+</file>
+
+<file path=ppt/slides/slide5.xml><?xml version="1.0" encoding="utf-8"?>
+<p:sld xmlns:a="http://schemas.openxmlformats.org/drawingml/2006/main" xmlns:r="http://schemas.openxmlformats.org/officeDocument/2006/relationships" xmlns:p="http://schemas.openxmlformats.org/presentationml/2006/main">
+  <p:cSld>
+    <p:spTree>
+      <p:nvGrpSpPr>
+        <p:cNvPr id="1" name=""/>
+        <p:cNvGrpSpPr/>
+        <p:nvPr/>
+      </p:nvGrpSpPr>
+      <p:grpSpPr>
+        <a:xfrm>
+          <a:off x="0" y="0"/>
+          <a:ext cx="0" cy="0"/>
+          <a:chOff x="0" y="0"/>
+          <a:chExt cx="0" cy="0"/>
+        </a:xfrm>
+      </p:grpSpPr>
+      <p:sp>
+        <p:nvSpPr>
           <p:cNvPr id="2" name="Título 1">
             <a:extLst>
               <a:ext uri="{FF2B5EF4-FFF2-40B4-BE49-F238E27FC236}">

--- a/Proyecto_final/Presentacion.pptx
+++ b/Proyecto_final/Presentacion.pptx
@@ -3436,12 +3436,6 @@
           <a:p>
             <a:r>
               <a:rPr lang="es-MX" dirty="0"/>
-              <a:t>Presupuestos alejados de la realidad</a:t>
-            </a:r>
-          </a:p>
-          <a:p>
-            <a:r>
-              <a:rPr lang="es-MX" dirty="0"/>
               <a:t>Cantidad de datos</a:t>
             </a:r>
           </a:p>
@@ -3546,6 +3540,21 @@
           <a:p>
             <a:r>
               <a:rPr lang="en-US" dirty="0" err="1"/>
+              <a:t>Ajuste</a:t>
+            </a:r>
+            <a:r>
+              <a:rPr lang="en-US" dirty="0"/>
+              <a:t> </a:t>
+            </a:r>
+            <a:r>
+              <a:rPr lang="en-US" dirty="0" err="1"/>
+              <a:t>BoxCox</a:t>
+            </a:r>
+            <a:endParaRPr lang="en-US" dirty="0"/>
+          </a:p>
+          <a:p>
+            <a:r>
+              <a:rPr lang="en-US" dirty="0" err="1"/>
               <a:t>Estacionalidad</a:t>
             </a:r>
             <a:r>
@@ -3592,18 +3601,6 @@
             </a:r>
           </a:p>
           <a:p>
-            <a:r>
-              <a:rPr lang="en-US" dirty="0" err="1"/>
-              <a:t>Ajuste</a:t>
-            </a:r>
-            <a:r>
-              <a:rPr lang="en-US" dirty="0"/>
-              <a:t> </a:t>
-            </a:r>
-            <a:r>
-              <a:rPr lang="en-US" dirty="0" err="1"/>
-              <a:t>BoxCox</a:t>
-            </a:r>
             <a:endParaRPr lang="en-US" dirty="0"/>
           </a:p>
           <a:p>
@@ -4062,8 +4059,8 @@
         </p:blipFill>
         <p:spPr>
           <a:xfrm>
-            <a:off x="5798586" y="1166812"/>
-            <a:ext cx="6012795" cy="4534738"/>
+            <a:off x="5798586" y="1177174"/>
+            <a:ext cx="6012795" cy="4524375"/>
           </a:xfrm>
           <a:prstGeom prst="rect">
             <a:avLst/>

--- a/Proyecto_final/Presentacion.pptx
+++ b/Proyecto_final/Presentacion.pptx
@@ -3569,7 +3569,7 @@
             </a:r>
             <a:r>
               <a:rPr lang="en-US" dirty="0"/>
-              <a:t> / Jarque-Bera 0,0016</a:t>
+              <a:t> / Jarque-Bera 0,09063</a:t>
             </a:r>
           </a:p>
           <a:p>
@@ -3587,7 +3587,7 @@
             </a:r>
             <a:r>
               <a:rPr lang="en-US" dirty="0"/>
-              <a:t>-box 0,7361</a:t>
+              <a:t>-box 0,6672</a:t>
             </a:r>
           </a:p>
           <a:p>
@@ -3597,7 +3597,7 @@
             </a:r>
             <a:r>
               <a:rPr lang="en-US" dirty="0"/>
-              <a:t> / Breusch-Pagan 0,6713 </a:t>
+              <a:t> / Breusch-Pagan 0,6415 </a:t>
             </a:r>
           </a:p>
           <a:p>
@@ -4039,10 +4039,10 @@
       </p:sp>
       <p:pic>
         <p:nvPicPr>
-          <p:cNvPr id="9" name="Imagen 8">
+          <p:cNvPr id="2" name="Imagen 1">
             <a:extLst>
               <a:ext uri="{FF2B5EF4-FFF2-40B4-BE49-F238E27FC236}">
-                <a16:creationId xmlns:a16="http://schemas.microsoft.com/office/drawing/2014/main" id="{7FCDC6D4-1936-B58D-25A0-AB09245ABC1F}"/>
+                <a16:creationId xmlns:a16="http://schemas.microsoft.com/office/drawing/2014/main" id="{79B17104-CBC4-24EF-37BE-6C7182FB7E9D}"/>
               </a:ext>
             </a:extLst>
           </p:cNvPr>
@@ -4059,8 +4059,8 @@
         </p:blipFill>
         <p:spPr>
           <a:xfrm>
-            <a:off x="5798586" y="1177174"/>
-            <a:ext cx="6012795" cy="4524375"/>
+            <a:off x="33570" y="1166812"/>
+            <a:ext cx="5765015" cy="4524375"/>
           </a:xfrm>
           <a:prstGeom prst="rect">
             <a:avLst/>
@@ -4069,10 +4069,10 @@
       </p:pic>
       <p:pic>
         <p:nvPicPr>
-          <p:cNvPr id="10" name="Imagen 9">
+          <p:cNvPr id="3" name="Imagen 2">
             <a:extLst>
               <a:ext uri="{FF2B5EF4-FFF2-40B4-BE49-F238E27FC236}">
-                <a16:creationId xmlns:a16="http://schemas.microsoft.com/office/drawing/2014/main" id="{AA89C03C-9B72-53EB-8903-53AD1AB34337}"/>
+                <a16:creationId xmlns:a16="http://schemas.microsoft.com/office/drawing/2014/main" id="{CEF29519-432B-BA7E-2815-3EE587986AD2}"/>
               </a:ext>
             </a:extLst>
           </p:cNvPr>
@@ -4089,8 +4089,8 @@
         </p:blipFill>
         <p:spPr>
           <a:xfrm>
-            <a:off x="125877" y="1177175"/>
-            <a:ext cx="5672709" cy="4524375"/>
+            <a:off x="5798585" y="1166811"/>
+            <a:ext cx="6359845" cy="4524375"/>
           </a:xfrm>
           <a:prstGeom prst="rect">
             <a:avLst/>

--- a/Proyecto_final/Presentacion.pptx
+++ b/Proyecto_final/Presentacion.pptx
@@ -3601,6 +3601,9 @@
             </a:r>
           </a:p>
           <a:p>
+            <a:pPr marL="0" indent="0">
+              <a:buNone/>
+            </a:pPr>
             <a:endParaRPr lang="en-US" dirty="0"/>
           </a:p>
           <a:p>
